--- a/Present-1.pptx
+++ b/Present-1.pptx
@@ -203,11 +203,14 @@
           <a:bodyPr vert="horz" lIns="91440" tIns="45720" rIns="91440" bIns="45720" rtlCol="0"/>
           <a:lstStyle>
             <a:lvl1pPr algn="l">
-              <a:defRPr sz="1200"/>
+              <a:defRPr sz="1200">
+                <a:latin typeface="Angsana New" panose="02020603050405020304" pitchFamily="18" charset="-34"/>
+                <a:cs typeface="Angsana New" panose="02020603050405020304" pitchFamily="18" charset="-34"/>
+              </a:defRPr>
             </a:lvl1pPr>
           </a:lstStyle>
           <a:p>
-            <a:endParaRPr lang="th-TH"/>
+            <a:endParaRPr lang="th-TH" dirty="0"/>
           </a:p>
         </p:txBody>
       </p:sp>
@@ -234,15 +237,19 @@
           <a:bodyPr vert="horz" lIns="91440" tIns="45720" rIns="91440" bIns="45720" rtlCol="0"/>
           <a:lstStyle>
             <a:lvl1pPr algn="r">
-              <a:defRPr sz="1200"/>
+              <a:defRPr sz="1200">
+                <a:latin typeface="Angsana New" panose="02020603050405020304" pitchFamily="18" charset="-34"/>
+                <a:cs typeface="Angsana New" panose="02020603050405020304" pitchFamily="18" charset="-34"/>
+              </a:defRPr>
             </a:lvl1pPr>
           </a:lstStyle>
           <a:p>
             <a:fld id="{519656C9-2427-4556-829C-886ED7433CDF}" type="datetimeFigureOut">
               <a:rPr lang="th-TH" smtClean="0"/>
-              <a:t>17/06/62</a:t>
+              <a:pPr/>
+              <a:t>18/06/62</a:t>
             </a:fld>
-            <a:endParaRPr lang="th-TH"/>
+            <a:endParaRPr lang="th-TH" dirty="0"/>
           </a:p>
         </p:txBody>
       </p:sp>
@@ -275,7 +282,7 @@
           <a:bodyPr vert="horz" lIns="91440" tIns="45720" rIns="91440" bIns="45720" rtlCol="0" anchor="ctr"/>
           <a:lstStyle/>
           <a:p>
-            <a:endParaRPr lang="th-TH"/>
+            <a:endParaRPr lang="th-TH" dirty="0"/>
           </a:p>
         </p:txBody>
       </p:sp>
@@ -304,38 +311,38 @@
           <a:p>
             <a:pPr lvl="0"/>
             <a:r>
-              <a:rPr lang="en-US"/>
+              <a:rPr lang="en-US" dirty="0"/>
               <a:t>Click to edit Master text styles</a:t>
             </a:r>
           </a:p>
           <a:p>
             <a:pPr lvl="1"/>
             <a:r>
-              <a:rPr lang="en-US"/>
+              <a:rPr lang="en-US" dirty="0"/>
               <a:t>Second level</a:t>
             </a:r>
           </a:p>
           <a:p>
             <a:pPr lvl="2"/>
             <a:r>
-              <a:rPr lang="en-US"/>
+              <a:rPr lang="en-US" dirty="0"/>
               <a:t>Third level</a:t>
             </a:r>
           </a:p>
           <a:p>
             <a:pPr lvl="3"/>
             <a:r>
-              <a:rPr lang="en-US"/>
+              <a:rPr lang="en-US" dirty="0"/>
               <a:t>Fourth level</a:t>
             </a:r>
           </a:p>
           <a:p>
             <a:pPr lvl="4"/>
             <a:r>
-              <a:rPr lang="en-US"/>
+              <a:rPr lang="en-US" dirty="0"/>
               <a:t>Fifth level</a:t>
             </a:r>
-            <a:endParaRPr lang="th-TH"/>
+            <a:endParaRPr lang="th-TH" dirty="0"/>
           </a:p>
         </p:txBody>
       </p:sp>
@@ -362,11 +369,14 @@
           <a:bodyPr vert="horz" lIns="91440" tIns="45720" rIns="91440" bIns="45720" rtlCol="0" anchor="b"/>
           <a:lstStyle>
             <a:lvl1pPr algn="l">
-              <a:defRPr sz="1200"/>
+              <a:defRPr sz="1200">
+                <a:latin typeface="Angsana New" panose="02020603050405020304" pitchFamily="18" charset="-34"/>
+                <a:cs typeface="Angsana New" panose="02020603050405020304" pitchFamily="18" charset="-34"/>
+              </a:defRPr>
             </a:lvl1pPr>
           </a:lstStyle>
           <a:p>
-            <a:endParaRPr lang="th-TH"/>
+            <a:endParaRPr lang="th-TH" dirty="0"/>
           </a:p>
         </p:txBody>
       </p:sp>
@@ -393,15 +403,19 @@
           <a:bodyPr vert="horz" lIns="91440" tIns="45720" rIns="91440" bIns="45720" rtlCol="0" anchor="b"/>
           <a:lstStyle>
             <a:lvl1pPr algn="r">
-              <a:defRPr sz="1200"/>
+              <a:defRPr sz="1200">
+                <a:latin typeface="Angsana New" panose="02020603050405020304" pitchFamily="18" charset="-34"/>
+                <a:cs typeface="Angsana New" panose="02020603050405020304" pitchFamily="18" charset="-34"/>
+              </a:defRPr>
             </a:lvl1pPr>
           </a:lstStyle>
           <a:p>
             <a:fld id="{071543E1-6C58-4002-8091-1392D4EAF350}" type="slidenum">
               <a:rPr lang="th-TH" smtClean="0"/>
+              <a:pPr/>
               <a:t>‹#›</a:t>
             </a:fld>
-            <a:endParaRPr lang="th-TH"/>
+            <a:endParaRPr lang="th-TH" dirty="0"/>
           </a:p>
         </p:txBody>
       </p:sp>
@@ -419,9 +433,9 @@
         <a:solidFill>
           <a:schemeClr val="tx1"/>
         </a:solidFill>
-        <a:latin typeface="+mn-lt"/>
+        <a:latin typeface="Angsana New" panose="02020603050405020304" pitchFamily="18" charset="-34"/>
         <a:ea typeface="+mn-ea"/>
-        <a:cs typeface="+mn-cs"/>
+        <a:cs typeface="Angsana New" panose="02020603050405020304" pitchFamily="18" charset="-34"/>
       </a:defRPr>
     </a:lvl1pPr>
     <a:lvl2pPr marL="457200" algn="l" defTabSz="914400" rtl="0" eaLnBrk="1" latinLnBrk="0" hangingPunct="1">
@@ -429,7 +443,7 @@
         <a:solidFill>
           <a:schemeClr val="tx1"/>
         </a:solidFill>
-        <a:latin typeface="+mn-lt"/>
+        <a:latin typeface="Angsana New" panose="02020603050405020304" pitchFamily="18" charset="-34"/>
         <a:ea typeface="+mn-ea"/>
         <a:cs typeface="+mn-cs"/>
       </a:defRPr>
@@ -439,7 +453,7 @@
         <a:solidFill>
           <a:schemeClr val="tx1"/>
         </a:solidFill>
-        <a:latin typeface="+mn-lt"/>
+        <a:latin typeface="Angsana New" panose="02020603050405020304" pitchFamily="18" charset="-34"/>
         <a:ea typeface="+mn-ea"/>
         <a:cs typeface="+mn-cs"/>
       </a:defRPr>
@@ -449,7 +463,7 @@
         <a:solidFill>
           <a:schemeClr val="tx1"/>
         </a:solidFill>
-        <a:latin typeface="+mn-lt"/>
+        <a:latin typeface="Angsana New" panose="02020603050405020304" pitchFamily="18" charset="-34"/>
         <a:ea typeface="+mn-ea"/>
         <a:cs typeface="+mn-cs"/>
       </a:defRPr>
@@ -459,9 +473,9 @@
         <a:solidFill>
           <a:schemeClr val="tx1"/>
         </a:solidFill>
-        <a:latin typeface="+mn-lt"/>
+        <a:latin typeface="Angsana New" panose="02020603050405020304" pitchFamily="18" charset="-34"/>
         <a:ea typeface="+mn-ea"/>
-        <a:cs typeface="+mn-cs"/>
+        <a:cs typeface="Angsana New" panose="02020603050405020304" pitchFamily="18" charset="-34"/>
       </a:defRPr>
     </a:lvl5pPr>
     <a:lvl6pPr marL="2286000" algn="l" defTabSz="914400" rtl="0" eaLnBrk="1" latinLnBrk="0" hangingPunct="1">
@@ -592,7 +606,9 @@
           <a:lstStyle>
             <a:lvl1pPr marL="0" indent="0" algn="ctr">
               <a:buNone/>
-              <a:defRPr sz="2400"/>
+              <a:defRPr sz="2400">
+                <a:cs typeface="Angsana New" panose="02020603050405020304" pitchFamily="18" charset="-34"/>
+              </a:defRPr>
             </a:lvl1pPr>
             <a:lvl2pPr marL="457200" indent="0" algn="ctr">
               <a:buNone/>
@@ -629,10 +645,10 @@
           </a:lstStyle>
           <a:p>
             <a:r>
-              <a:rPr lang="en-US"/>
+              <a:rPr lang="en-US" dirty="0"/>
               <a:t>Click to edit Master subtitle style</a:t>
             </a:r>
-            <a:endParaRPr lang="th-TH"/>
+            <a:endParaRPr lang="th-TH" dirty="0"/>
           </a:p>
         </p:txBody>
       </p:sp>
@@ -659,7 +675,7 @@
           <a:p>
             <a:fld id="{840E6419-FF81-41CD-A3D4-4476653CD376}" type="datetimeFigureOut">
               <a:rPr lang="en-US" smtClean="0"/>
-              <a:t>6/17/2019</a:t>
+              <a:t>6/18/2019</a:t>
             </a:fld>
             <a:endParaRPr lang="en-US"/>
           </a:p>
@@ -865,7 +881,7 @@
           <a:p>
             <a:fld id="{840E6419-FF81-41CD-A3D4-4476653CD376}" type="datetimeFigureOut">
               <a:rPr lang="en-US" smtClean="0"/>
-              <a:t>6/17/2019</a:t>
+              <a:t>6/18/2019</a:t>
             </a:fld>
             <a:endParaRPr lang="en-US"/>
           </a:p>
@@ -1081,7 +1097,7 @@
           <a:p>
             <a:fld id="{840E6419-FF81-41CD-A3D4-4476653CD376}" type="datetimeFigureOut">
               <a:rPr lang="en-US" smtClean="0"/>
-              <a:t>6/17/2019</a:t>
+              <a:t>6/18/2019</a:t>
             </a:fld>
             <a:endParaRPr lang="en-US"/>
           </a:p>
@@ -1287,7 +1303,7 @@
           <a:p>
             <a:fld id="{840E6419-FF81-41CD-A3D4-4476653CD376}" type="datetimeFigureOut">
               <a:rPr lang="en-US" smtClean="0"/>
-              <a:t>6/17/2019</a:t>
+              <a:t>6/18/2019</a:t>
             </a:fld>
             <a:endParaRPr lang="en-US"/>
           </a:p>
@@ -1565,7 +1581,7 @@
           <a:p>
             <a:fld id="{840E6419-FF81-41CD-A3D4-4476653CD376}" type="datetimeFigureOut">
               <a:rPr lang="en-US" smtClean="0"/>
-              <a:t>6/17/2019</a:t>
+              <a:t>6/18/2019</a:t>
             </a:fld>
             <a:endParaRPr lang="en-US"/>
           </a:p>
@@ -1839,7 +1855,7 @@
           <a:p>
             <a:fld id="{840E6419-FF81-41CD-A3D4-4476653CD376}" type="datetimeFigureOut">
               <a:rPr lang="en-US" smtClean="0"/>
-              <a:t>6/17/2019</a:t>
+              <a:t>6/18/2019</a:t>
             </a:fld>
             <a:endParaRPr lang="en-US"/>
           </a:p>
@@ -2260,7 +2276,7 @@
           <a:p>
             <a:fld id="{840E6419-FF81-41CD-A3D4-4476653CD376}" type="datetimeFigureOut">
               <a:rPr lang="en-US" smtClean="0"/>
-              <a:t>6/17/2019</a:t>
+              <a:t>6/18/2019</a:t>
             </a:fld>
             <a:endParaRPr lang="en-US"/>
           </a:p>
@@ -2408,7 +2424,7 @@
           <a:p>
             <a:fld id="{840E6419-FF81-41CD-A3D4-4476653CD376}" type="datetimeFigureOut">
               <a:rPr lang="en-US" smtClean="0"/>
-              <a:t>6/17/2019</a:t>
+              <a:t>6/18/2019</a:t>
             </a:fld>
             <a:endParaRPr lang="en-US"/>
           </a:p>
@@ -2521,7 +2537,7 @@
           <a:p>
             <a:fld id="{840E6419-FF81-41CD-A3D4-4476653CD376}" type="datetimeFigureOut">
               <a:rPr lang="en-US" smtClean="0"/>
-              <a:t>6/17/2019</a:t>
+              <a:t>6/18/2019</a:t>
             </a:fld>
             <a:endParaRPr lang="en-US"/>
           </a:p>
@@ -2836,7 +2852,7 @@
           <a:p>
             <a:fld id="{840E6419-FF81-41CD-A3D4-4476653CD376}" type="datetimeFigureOut">
               <a:rPr lang="en-US" smtClean="0"/>
-              <a:t>6/17/2019</a:t>
+              <a:t>6/18/2019</a:t>
             </a:fld>
             <a:endParaRPr lang="en-US"/>
           </a:p>
@@ -2993,7 +3009,9 @@
           <a:lstStyle>
             <a:lvl1pPr marL="0" indent="0">
               <a:buNone/>
-              <a:defRPr sz="3200"/>
+              <a:defRPr sz="3200">
+                <a:cs typeface="Angsana New" panose="02020603050405020304" pitchFamily="18" charset="-34"/>
+              </a:defRPr>
             </a:lvl1pPr>
             <a:lvl2pPr marL="457200" indent="0">
               <a:buNone/>
@@ -3029,7 +3047,7 @@
             </a:lvl9pPr>
           </a:lstStyle>
           <a:p>
-            <a:endParaRPr lang="th-TH"/>
+            <a:endParaRPr lang="th-TH" dirty="0"/>
           </a:p>
         </p:txBody>
       </p:sp>
@@ -3127,7 +3145,7 @@
           <a:p>
             <a:fld id="{840E6419-FF81-41CD-A3D4-4476653CD376}" type="datetimeFigureOut">
               <a:rPr lang="en-US" smtClean="0"/>
-              <a:t>6/17/2019</a:t>
+              <a:t>6/18/2019</a:t>
             </a:fld>
             <a:endParaRPr lang="en-US"/>
           </a:p>
@@ -3294,38 +3312,38 @@
           <a:p>
             <a:pPr lvl="0"/>
             <a:r>
-              <a:rPr lang="en-US"/>
+              <a:rPr lang="en-US" dirty="0"/>
               <a:t>Click to edit Master text styles</a:t>
             </a:r>
           </a:p>
           <a:p>
             <a:pPr lvl="1"/>
             <a:r>
-              <a:rPr lang="en-US"/>
+              <a:rPr lang="en-US" dirty="0"/>
               <a:t>Second level</a:t>
             </a:r>
           </a:p>
           <a:p>
             <a:pPr lvl="2"/>
             <a:r>
-              <a:rPr lang="en-US"/>
+              <a:rPr lang="en-US" dirty="0"/>
               <a:t>Third level</a:t>
             </a:r>
           </a:p>
           <a:p>
             <a:pPr lvl="3"/>
             <a:r>
-              <a:rPr lang="en-US"/>
+              <a:rPr lang="en-US" dirty="0"/>
               <a:t>Fourth level</a:t>
             </a:r>
           </a:p>
           <a:p>
             <a:pPr lvl="4"/>
             <a:r>
-              <a:rPr lang="en-US"/>
+              <a:rPr lang="en-US" dirty="0"/>
               <a:t>Fifth level</a:t>
             </a:r>
-            <a:endParaRPr lang="th-TH"/>
+            <a:endParaRPr lang="th-TH" dirty="0"/>
           </a:p>
         </p:txBody>
       </p:sp>
@@ -3364,15 +3382,17 @@
                     <a:tint val="75000"/>
                   </a:schemeClr>
                 </a:solidFill>
+                <a:latin typeface="Angsana New" panose="02020603050405020304" pitchFamily="18" charset="-34"/>
               </a:defRPr>
             </a:lvl1pPr>
           </a:lstStyle>
           <a:p>
             <a:fld id="{840E6419-FF81-41CD-A3D4-4476653CD376}" type="datetimeFigureOut">
               <a:rPr lang="en-US" smtClean="0"/>
-              <a:t>6/17/2019</a:t>
+              <a:pPr/>
+              <a:t>6/18/2019</a:t>
             </a:fld>
-            <a:endParaRPr lang="en-US"/>
+            <a:endParaRPr lang="en-US" dirty="0"/>
           </a:p>
         </p:txBody>
       </p:sp>
@@ -3411,11 +3431,12 @@
                     <a:tint val="75000"/>
                   </a:schemeClr>
                 </a:solidFill>
+                <a:latin typeface="Angsana New" panose="02020603050405020304" pitchFamily="18" charset="-34"/>
               </a:defRPr>
             </a:lvl1pPr>
           </a:lstStyle>
           <a:p>
-            <a:endParaRPr lang="en-US"/>
+            <a:endParaRPr lang="en-US" dirty="0"/>
           </a:p>
         </p:txBody>
       </p:sp>
@@ -3454,15 +3475,17 @@
                     <a:tint val="75000"/>
                   </a:schemeClr>
                 </a:solidFill>
+                <a:latin typeface="Angsana New" panose="02020603050405020304" pitchFamily="18" charset="-34"/>
               </a:defRPr>
             </a:lvl1pPr>
           </a:lstStyle>
           <a:p>
             <a:fld id="{15E7E2B8-92F9-4AF1-B7CC-54721B0A28E2}" type="slidenum">
               <a:rPr lang="en-US" smtClean="0"/>
+              <a:pPr/>
               <a:t>‹#›</a:t>
             </a:fld>
-            <a:endParaRPr lang="en-US"/>
+            <a:endParaRPr lang="en-US" dirty="0"/>
           </a:p>
         </p:txBody>
       </p:sp>
@@ -3501,7 +3524,7 @@
           <a:solidFill>
             <a:schemeClr val="tx1"/>
           </a:solidFill>
-          <a:latin typeface="+mj-lt"/>
+          <a:latin typeface="Angsana New" panose="02020603050405020304" pitchFamily="18" charset="-34"/>
           <a:ea typeface="+mj-ea"/>
           <a:cs typeface="Angsana New" panose="02020603050405020304" pitchFamily="18" charset="-34"/>
         </a:defRPr>
@@ -3521,7 +3544,7 @@
           <a:solidFill>
             <a:schemeClr val="tx1"/>
           </a:solidFill>
-          <a:latin typeface="+mn-lt"/>
+          <a:latin typeface="Angsana New" panose="02020603050405020304" pitchFamily="18" charset="-34"/>
           <a:ea typeface="+mn-ea"/>
           <a:cs typeface="+mn-cs"/>
         </a:defRPr>
@@ -3539,7 +3562,7 @@
           <a:solidFill>
             <a:schemeClr val="tx1"/>
           </a:solidFill>
-          <a:latin typeface="+mn-lt"/>
+          <a:latin typeface="Angsana New" panose="02020603050405020304" pitchFamily="18" charset="-34"/>
           <a:ea typeface="+mn-ea"/>
           <a:cs typeface="+mn-cs"/>
         </a:defRPr>
@@ -3557,7 +3580,7 @@
           <a:solidFill>
             <a:schemeClr val="tx1"/>
           </a:solidFill>
-          <a:latin typeface="+mn-lt"/>
+          <a:latin typeface="Angsana New" panose="02020603050405020304" pitchFamily="18" charset="-34"/>
           <a:ea typeface="+mn-ea"/>
           <a:cs typeface="+mn-cs"/>
         </a:defRPr>
@@ -3575,7 +3598,7 @@
           <a:solidFill>
             <a:schemeClr val="tx1"/>
           </a:solidFill>
-          <a:latin typeface="+mn-lt"/>
+          <a:latin typeface="Angsana New" panose="02020603050405020304" pitchFamily="18" charset="-34"/>
           <a:ea typeface="+mn-ea"/>
           <a:cs typeface="+mn-cs"/>
         </a:defRPr>
@@ -3593,9 +3616,9 @@
           <a:solidFill>
             <a:schemeClr val="tx1"/>
           </a:solidFill>
-          <a:latin typeface="+mn-lt"/>
+          <a:latin typeface="Angsana New" panose="02020603050405020304" pitchFamily="18" charset="-34"/>
           <a:ea typeface="+mn-ea"/>
-          <a:cs typeface="+mn-cs"/>
+          <a:cs typeface="Angsana New" panose="02020603050405020304" pitchFamily="18" charset="-34"/>
         </a:defRPr>
       </a:lvl5pPr>
       <a:lvl6pPr marL="2514600" indent="-228600" algn="l" defTabSz="914400" rtl="0" eaLnBrk="1" latinLnBrk="0" hangingPunct="1">
@@ -3787,42 +3810,6 @@
           <a:chExt cx="0" cy="0"/>
         </a:xfrm>
       </p:grpSpPr>
-      <p:pic>
-        <p:nvPicPr>
-          <p:cNvPr id="6" name="Picture 5">
-            <a:extLst>
-              <a:ext uri="{FF2B5EF4-FFF2-40B4-BE49-F238E27FC236}">
-                <a16:creationId xmlns:a16="http://schemas.microsoft.com/office/drawing/2014/main" id="{5061FC30-CF55-4222-B862-4DF469FAE609}"/>
-              </a:ext>
-            </a:extLst>
-          </p:cNvPr>
-          <p:cNvPicPr>
-            <a:picLocks noChangeAspect="1"/>
-          </p:cNvPicPr>
-          <p:nvPr/>
-        </p:nvPicPr>
-        <p:blipFill>
-          <a:blip r:embed="rId2">
-            <a:extLst>
-              <a:ext uri="{28A0092B-C50C-407E-A947-70E740481C1C}">
-                <a14:useLocalDpi xmlns:a14="http://schemas.microsoft.com/office/drawing/2010/main" val="0"/>
-              </a:ext>
-            </a:extLst>
-          </a:blip>
-          <a:stretch>
-            <a:fillRect/>
-          </a:stretch>
-        </p:blipFill>
-        <p:spPr>
-          <a:xfrm>
-            <a:off x="0" y="0"/>
-            <a:ext cx="12192000" cy="6858000"/>
-          </a:xfrm>
-          <a:prstGeom prst="rect">
-            <a:avLst/>
-          </a:prstGeom>
-        </p:spPr>
-      </p:pic>
       <p:sp>
         <p:nvSpPr>
           <p:cNvPr id="4" name="ชื่อเรื่อง 3">
@@ -3853,13 +3840,16 @@
           <a:p>
             <a:pPr algn="ctr"/>
             <a:r>
-              <a:rPr lang="en-US" sz="8800" b="1" dirty="0">
-                <a:solidFill>
-                  <a:schemeClr val="bg1"/>
-                </a:solidFill>
-                <a:latin typeface="Angsana New" panose="02020603050405020304" pitchFamily="18" charset="-34"/>
+              <a:rPr lang="en-US" sz="8000" b="1">
+                <a:ea typeface="Microsoft YaHei UI" panose="020B0503020204020204" pitchFamily="34" charset="-122"/>
               </a:rPr>
-              <a:t>Project HIS in Web App</a:t>
+              <a:t>Project HIS </a:t>
+            </a:r>
+            <a:r>
+              <a:rPr lang="en-US" sz="8000" b="1" dirty="0">
+                <a:ea typeface="Microsoft YaHei UI" panose="020B0503020204020204" pitchFamily="34" charset="-122"/>
+              </a:rPr>
+              <a:t>on Website</a:t>
             </a:r>
           </a:p>
         </p:txBody>
@@ -3874,6 +3864,18 @@
   <p:clrMapOvr>
     <a:masterClrMapping/>
   </p:clrMapOvr>
+  <mc:AlternateContent xmlns:mc="http://schemas.openxmlformats.org/markup-compatibility/2006">
+    <mc:Choice xmlns:p14="http://schemas.microsoft.com/office/powerpoint/2010/main" Requires="p14">
+      <p:transition spd="slow" p14:dur="2000">
+        <p14:vortex dir="r"/>
+      </p:transition>
+    </mc:Choice>
+    <mc:Fallback>
+      <p:transition spd="slow">
+        <p:fade/>
+      </p:transition>
+    </mc:Fallback>
+  </mc:AlternateContent>
 </p:sld>
 </file>
 
@@ -3974,7 +3976,9 @@
           <a:lstStyle/>
           <a:p>
             <a:pPr algn="ctr"/>
-            <a:endParaRPr lang="en-US"/>
+            <a:endParaRPr lang="en-US" dirty="0">
+              <a:latin typeface="Angsana New" panose="02020603050405020304" pitchFamily="18" charset="-34"/>
+            </a:endParaRPr>
           </a:p>
         </p:txBody>
       </p:sp>
@@ -4026,7 +4030,9 @@
           <a:lstStyle/>
           <a:p>
             <a:pPr algn="ctr"/>
-            <a:endParaRPr lang="en-US"/>
+            <a:endParaRPr lang="en-US" dirty="0">
+              <a:latin typeface="Angsana New" panose="02020603050405020304" pitchFamily="18" charset="-34"/>
+            </a:endParaRPr>
           </a:p>
         </p:txBody>
       </p:sp>
@@ -4140,7 +4146,9 @@
           <a:lstStyle/>
           <a:p>
             <a:pPr algn="ctr"/>
-            <a:endParaRPr lang="en-US"/>
+            <a:endParaRPr lang="en-US" dirty="0">
+              <a:latin typeface="Angsana New" panose="02020603050405020304" pitchFamily="18" charset="-34"/>
+            </a:endParaRPr>
           </a:p>
         </p:txBody>
       </p:sp>
@@ -4254,7 +4262,9 @@
           <a:lstStyle/>
           <a:p>
             <a:pPr algn="ctr"/>
-            <a:endParaRPr lang="en-US"/>
+            <a:endParaRPr lang="en-US" dirty="0">
+              <a:latin typeface="Angsana New" panose="02020603050405020304" pitchFamily="18" charset="-34"/>
+            </a:endParaRPr>
           </a:p>
         </p:txBody>
       </p:sp>
@@ -4306,7 +4316,9 @@
           <a:lstStyle/>
           <a:p>
             <a:pPr algn="ctr"/>
-            <a:endParaRPr lang="en-US"/>
+            <a:endParaRPr lang="en-US" dirty="0">
+              <a:latin typeface="Angsana New" panose="02020603050405020304" pitchFamily="18" charset="-34"/>
+            </a:endParaRPr>
           </a:p>
         </p:txBody>
       </p:sp>
@@ -4482,7 +4494,9 @@
           <a:lstStyle/>
           <a:p>
             <a:pPr algn="ctr"/>
-            <a:endParaRPr lang="en-US"/>
+            <a:endParaRPr lang="en-US" dirty="0">
+              <a:latin typeface="Angsana New" panose="02020603050405020304" pitchFamily="18" charset="-34"/>
+            </a:endParaRPr>
           </a:p>
         </p:txBody>
       </p:sp>
@@ -4534,7 +4548,9 @@
           <a:lstStyle/>
           <a:p>
             <a:pPr algn="ctr"/>
-            <a:endParaRPr lang="en-US"/>
+            <a:endParaRPr lang="en-US" dirty="0">
+              <a:latin typeface="Angsana New" panose="02020603050405020304" pitchFamily="18" charset="-34"/>
+            </a:endParaRPr>
           </a:p>
         </p:txBody>
       </p:sp>
@@ -4648,7 +4664,9 @@
           <a:lstStyle/>
           <a:p>
             <a:pPr algn="ctr"/>
-            <a:endParaRPr lang="en-US"/>
+            <a:endParaRPr lang="en-US" dirty="0">
+              <a:latin typeface="Angsana New" panose="02020603050405020304" pitchFamily="18" charset="-34"/>
+            </a:endParaRPr>
           </a:p>
         </p:txBody>
       </p:sp>
@@ -4762,7 +4780,9 @@
           <a:lstStyle/>
           <a:p>
             <a:pPr algn="ctr"/>
-            <a:endParaRPr lang="en-US"/>
+            <a:endParaRPr lang="en-US" dirty="0">
+              <a:latin typeface="Angsana New" panose="02020603050405020304" pitchFamily="18" charset="-34"/>
+            </a:endParaRPr>
           </a:p>
         </p:txBody>
       </p:sp>
@@ -4814,7 +4834,9 @@
           <a:lstStyle/>
           <a:p>
             <a:pPr algn="ctr"/>
-            <a:endParaRPr lang="en-US"/>
+            <a:endParaRPr lang="en-US" dirty="0">
+              <a:latin typeface="Angsana New" panose="02020603050405020304" pitchFamily="18" charset="-34"/>
+            </a:endParaRPr>
           </a:p>
         </p:txBody>
       </p:sp>
@@ -4990,7 +5012,9 @@
           <a:lstStyle/>
           <a:p>
             <a:pPr algn="ctr"/>
-            <a:endParaRPr lang="en-US"/>
+            <a:endParaRPr lang="en-US" dirty="0">
+              <a:latin typeface="Angsana New" panose="02020603050405020304" pitchFamily="18" charset="-34"/>
+            </a:endParaRPr>
           </a:p>
         </p:txBody>
       </p:sp>
@@ -5042,7 +5066,9 @@
           <a:lstStyle/>
           <a:p>
             <a:pPr algn="ctr"/>
-            <a:endParaRPr lang="en-US"/>
+            <a:endParaRPr lang="en-US" dirty="0">
+              <a:latin typeface="Angsana New" panose="02020603050405020304" pitchFamily="18" charset="-34"/>
+            </a:endParaRPr>
           </a:p>
         </p:txBody>
       </p:sp>
@@ -5156,7 +5182,9 @@
           <a:lstStyle/>
           <a:p>
             <a:pPr algn="ctr"/>
-            <a:endParaRPr lang="en-US"/>
+            <a:endParaRPr lang="en-US" dirty="0">
+              <a:latin typeface="Angsana New" panose="02020603050405020304" pitchFamily="18" charset="-34"/>
+            </a:endParaRPr>
           </a:p>
         </p:txBody>
       </p:sp>
@@ -5208,7 +5236,9 @@
           <a:lstStyle/>
           <a:p>
             <a:pPr algn="ctr"/>
-            <a:endParaRPr lang="en-US"/>
+            <a:endParaRPr lang="en-US" dirty="0">
+              <a:latin typeface="Angsana New" panose="02020603050405020304" pitchFamily="18" charset="-34"/>
+            </a:endParaRPr>
           </a:p>
         </p:txBody>
       </p:sp>
@@ -5260,7 +5290,9 @@
           <a:lstStyle/>
           <a:p>
             <a:pPr algn="ctr"/>
-            <a:endParaRPr lang="en-US"/>
+            <a:endParaRPr lang="en-US" dirty="0">
+              <a:latin typeface="Angsana New" panose="02020603050405020304" pitchFamily="18" charset="-34"/>
+            </a:endParaRPr>
           </a:p>
         </p:txBody>
       </p:sp>
@@ -5312,7 +5344,9 @@
           <a:lstStyle/>
           <a:p>
             <a:pPr algn="ctr"/>
-            <a:endParaRPr lang="en-US"/>
+            <a:endParaRPr lang="en-US" dirty="0">
+              <a:latin typeface="Angsana New" panose="02020603050405020304" pitchFamily="18" charset="-34"/>
+            </a:endParaRPr>
           </a:p>
         </p:txBody>
       </p:sp>
@@ -5364,7 +5398,9 @@
           <a:lstStyle/>
           <a:p>
             <a:pPr algn="ctr"/>
-            <a:endParaRPr lang="en-US"/>
+            <a:endParaRPr lang="en-US" dirty="0">
+              <a:latin typeface="Angsana New" panose="02020603050405020304" pitchFamily="18" charset="-34"/>
+            </a:endParaRPr>
           </a:p>
         </p:txBody>
       </p:sp>
@@ -5449,68 +5485,57 @@
           </a:bodyPr>
           <a:lstStyle/>
           <a:p>
-            <a:pPr marL="0" indent="0" algn="ctr">
+            <a:pPr marL="0" indent="0">
               <a:buNone/>
             </a:pPr>
             <a:r>
-              <a:rPr lang="th-TH" sz="4400" dirty="0">
-                <a:latin typeface="Angsana New" panose="02020603050405020304" pitchFamily="18" charset="-34"/>
+              <a:rPr lang="th-TH" sz="4800" dirty="0">
                 <a:cs typeface="Angsana New" panose="02020603050405020304" pitchFamily="18" charset="-34"/>
               </a:rPr>
               <a:t>ย้ายโปรแกรมที่ทำงานบน </a:t>
             </a:r>
             <a:r>
-              <a:rPr lang="en-US" sz="4400" dirty="0">
-                <a:latin typeface="Angsana New" panose="02020603050405020304" pitchFamily="18" charset="-34"/>
+              <a:rPr lang="en-US" sz="4800" dirty="0">
                 <a:cs typeface="Angsana New" panose="02020603050405020304" pitchFamily="18" charset="-34"/>
               </a:rPr>
               <a:t>Windows </a:t>
             </a:r>
-            <a:r>
-              <a:rPr lang="th-TH" sz="4400" dirty="0">
-                <a:latin typeface="Angsana New" panose="02020603050405020304" pitchFamily="18" charset="-34"/>
+          </a:p>
+          <a:p>
+            <a:pPr marL="0" indent="0">
+              <a:buNone/>
+            </a:pPr>
+            <a:r>
+              <a:rPr lang="th-TH" sz="4800" dirty="0">
                 <a:cs typeface="Angsana New" panose="02020603050405020304" pitchFamily="18" charset="-34"/>
               </a:rPr>
-              <a:t>มา ทำงานบน </a:t>
-            </a:r>
-            <a:r>
-              <a:rPr lang="en-US" sz="4400" dirty="0">
-                <a:latin typeface="Angsana New" panose="02020603050405020304" pitchFamily="18" charset="-34"/>
+              <a:t>ให้มาทำงานบน </a:t>
+            </a:r>
+            <a:r>
+              <a:rPr lang="en-US" sz="4800" dirty="0">
                 <a:cs typeface="Angsana New" panose="02020603050405020304" pitchFamily="18" charset="-34"/>
               </a:rPr>
               <a:t>Website </a:t>
             </a:r>
           </a:p>
           <a:p>
-            <a:pPr marL="0" indent="0" algn="ctr">
+            <a:pPr marL="0" indent="0">
               <a:buNone/>
             </a:pPr>
             <a:r>
-              <a:rPr lang="th-TH" sz="8000" dirty="0">
-                <a:solidFill>
-                  <a:srgbClr val="FF0000"/>
-                </a:solidFill>
-                <a:latin typeface="Angsana New" panose="02020603050405020304" pitchFamily="18" charset="-34"/>
+              <a:rPr lang="th-TH" sz="4800" dirty="0">
                 <a:cs typeface="Angsana New" panose="02020603050405020304" pitchFamily="18" charset="-34"/>
               </a:rPr>
               <a:t>(</a:t>
             </a:r>
             <a:r>
-              <a:rPr lang="en-US" sz="8000" dirty="0">
-                <a:solidFill>
-                  <a:srgbClr val="FF0000"/>
-                </a:solidFill>
-                <a:latin typeface="Angsana New" panose="02020603050405020304" pitchFamily="18" charset="-34"/>
+              <a:rPr lang="en-US" sz="4800" dirty="0">
                 <a:cs typeface="Angsana New" panose="02020603050405020304" pitchFamily="18" charset="-34"/>
               </a:rPr>
               <a:t>Web APP</a:t>
             </a:r>
             <a:r>
-              <a:rPr lang="th-TH" sz="8000" dirty="0">
-                <a:solidFill>
-                  <a:srgbClr val="FF0000"/>
-                </a:solidFill>
-                <a:latin typeface="Angsana New" panose="02020603050405020304" pitchFamily="18" charset="-34"/>
+              <a:rPr lang="th-TH" sz="4800" dirty="0">
                 <a:cs typeface="Angsana New" panose="02020603050405020304" pitchFamily="18" charset="-34"/>
               </a:rPr>
               <a:t>)</a:t>
@@ -5628,7 +5653,9 @@
           <a:lstStyle/>
           <a:p>
             <a:pPr algn="ctr"/>
-            <a:endParaRPr lang="en-US"/>
+            <a:endParaRPr lang="en-US" dirty="0">
+              <a:latin typeface="Angsana New" panose="02020603050405020304" pitchFamily="18" charset="-34"/>
+            </a:endParaRPr>
           </a:p>
         </p:txBody>
       </p:sp>
@@ -5680,7 +5707,9 @@
           <a:lstStyle/>
           <a:p>
             <a:pPr algn="ctr"/>
-            <a:endParaRPr lang="en-US"/>
+            <a:endParaRPr lang="en-US" dirty="0">
+              <a:latin typeface="Angsana New" panose="02020603050405020304" pitchFamily="18" charset="-34"/>
+            </a:endParaRPr>
           </a:p>
         </p:txBody>
       </p:sp>
@@ -5794,7 +5823,9 @@
           <a:lstStyle/>
           <a:p>
             <a:pPr algn="ctr"/>
-            <a:endParaRPr lang="en-US"/>
+            <a:endParaRPr lang="en-US" dirty="0">
+              <a:latin typeface="Angsana New" panose="02020603050405020304" pitchFamily="18" charset="-34"/>
+            </a:endParaRPr>
           </a:p>
         </p:txBody>
       </p:sp>
@@ -5846,7 +5877,9 @@
           <a:lstStyle/>
           <a:p>
             <a:pPr algn="ctr"/>
-            <a:endParaRPr lang="en-US"/>
+            <a:endParaRPr lang="en-US" dirty="0">
+              <a:latin typeface="Angsana New" panose="02020603050405020304" pitchFamily="18" charset="-34"/>
+            </a:endParaRPr>
           </a:p>
         </p:txBody>
       </p:sp>
@@ -5960,7 +5993,9 @@
           <a:lstStyle/>
           <a:p>
             <a:pPr algn="ctr"/>
-            <a:endParaRPr lang="en-US"/>
+            <a:endParaRPr lang="en-US" dirty="0">
+              <a:latin typeface="Angsana New" panose="02020603050405020304" pitchFamily="18" charset="-34"/>
+            </a:endParaRPr>
           </a:p>
         </p:txBody>
       </p:sp>
@@ -6012,7 +6047,9 @@
           <a:lstStyle/>
           <a:p>
             <a:pPr algn="ctr"/>
-            <a:endParaRPr lang="en-US"/>
+            <a:endParaRPr lang="en-US" dirty="0">
+              <a:latin typeface="Angsana New" panose="02020603050405020304" pitchFamily="18" charset="-34"/>
+            </a:endParaRPr>
           </a:p>
         </p:txBody>
       </p:sp>
@@ -6126,7 +6163,9 @@
           <a:lstStyle/>
           <a:p>
             <a:pPr algn="ctr"/>
-            <a:endParaRPr lang="en-US"/>
+            <a:endParaRPr lang="en-US" dirty="0">
+              <a:latin typeface="Angsana New" panose="02020603050405020304" pitchFamily="18" charset="-34"/>
+            </a:endParaRPr>
           </a:p>
         </p:txBody>
       </p:sp>
@@ -6178,7 +6217,9 @@
           <a:lstStyle/>
           <a:p>
             <a:pPr algn="ctr"/>
-            <a:endParaRPr lang="en-US"/>
+            <a:endParaRPr lang="en-US" dirty="0">
+              <a:latin typeface="Angsana New" panose="02020603050405020304" pitchFamily="18" charset="-34"/>
+            </a:endParaRPr>
           </a:p>
         </p:txBody>
       </p:sp>
@@ -6292,7 +6333,9 @@
           <a:lstStyle/>
           <a:p>
             <a:pPr algn="ctr"/>
-            <a:endParaRPr lang="en-US"/>
+            <a:endParaRPr lang="en-US" dirty="0">
+              <a:latin typeface="Angsana New" panose="02020603050405020304" pitchFamily="18" charset="-34"/>
+            </a:endParaRPr>
           </a:p>
         </p:txBody>
       </p:sp>
@@ -6344,7 +6387,9 @@
           <a:lstStyle/>
           <a:p>
             <a:pPr algn="ctr"/>
-            <a:endParaRPr lang="en-US"/>
+            <a:endParaRPr lang="en-US" dirty="0">
+              <a:latin typeface="Angsana New" panose="02020603050405020304" pitchFamily="18" charset="-34"/>
+            </a:endParaRPr>
           </a:p>
         </p:txBody>
       </p:sp>
@@ -6458,7 +6503,9 @@
           <a:lstStyle/>
           <a:p>
             <a:pPr algn="ctr"/>
-            <a:endParaRPr lang="en-US"/>
+            <a:endParaRPr lang="en-US" dirty="0">
+              <a:latin typeface="Angsana New" panose="02020603050405020304" pitchFamily="18" charset="-34"/>
+            </a:endParaRPr>
           </a:p>
         </p:txBody>
       </p:sp>
@@ -6510,7 +6557,9 @@
           <a:lstStyle/>
           <a:p>
             <a:pPr algn="ctr"/>
-            <a:endParaRPr lang="en-US"/>
+            <a:endParaRPr lang="en-US" dirty="0">
+              <a:latin typeface="Angsana New" panose="02020603050405020304" pitchFamily="18" charset="-34"/>
+            </a:endParaRPr>
           </a:p>
         </p:txBody>
       </p:sp>
@@ -6574,15 +6623,11 @@
           <a:p>
             <a:pPr algn="ctr"/>
             <a:r>
-              <a:rPr lang="th-TH" b="1" dirty="0">
-                <a:latin typeface="Angsana New" panose="02020603050405020304" pitchFamily="18" charset="-34"/>
-              </a:rPr>
+              <a:rPr lang="th-TH" b="1" dirty="0"/>
               <a:t>ตัวอย่าง งานที่ </a:t>
             </a:r>
             <a:r>
-              <a:rPr lang="en-US" b="1" dirty="0">
-                <a:latin typeface="Angsana New" panose="02020603050405020304" pitchFamily="18" charset="-34"/>
-              </a:rPr>
+              <a:rPr lang="en-US" b="1" dirty="0"/>
               <a:t>2</a:t>
             </a:r>
           </a:p>
@@ -6640,21 +6685,15 @@
           <a:lstStyle/>
           <a:p>
             <a:r>
-              <a:rPr lang="th-TH" b="1" dirty="0">
-                <a:latin typeface="Angsana New" panose="02020603050405020304" pitchFamily="18" charset="-34"/>
-              </a:rPr>
+              <a:rPr lang="th-TH" b="1" dirty="0"/>
               <a:t>โครงสร้าง</a:t>
             </a:r>
             <a:r>
-              <a:rPr lang="en-US" b="1" dirty="0">
-                <a:latin typeface="Angsana New" panose="02020603050405020304" pitchFamily="18" charset="-34"/>
-              </a:rPr>
+              <a:rPr lang="en-US" b="1" dirty="0"/>
               <a:t> HIS </a:t>
             </a:r>
             <a:r>
-              <a:rPr lang="th-TH" b="1" dirty="0">
-                <a:latin typeface="Angsana New" panose="02020603050405020304" pitchFamily="18" charset="-34"/>
-              </a:rPr>
+              <a:rPr lang="th-TH" b="1" dirty="0"/>
               <a:t>(เดิม)</a:t>
             </a:r>
           </a:p>
@@ -6744,33 +6783,23 @@
           <a:lstStyle/>
           <a:p>
             <a:r>
-              <a:rPr lang="th-TH" b="1" dirty="0">
-                <a:latin typeface="Angsana New" panose="02020603050405020304" pitchFamily="18" charset="-34"/>
-              </a:rPr>
+              <a:rPr lang="th-TH" b="1" dirty="0"/>
               <a:t>ข้อเสีย </a:t>
             </a:r>
             <a:r>
-              <a:rPr lang="en-US" b="1" dirty="0">
-                <a:latin typeface="Angsana New" panose="02020603050405020304" pitchFamily="18" charset="-34"/>
-              </a:rPr>
+              <a:rPr lang="en-US" b="1" dirty="0"/>
               <a:t>- </a:t>
             </a:r>
             <a:r>
-              <a:rPr lang="th-TH" b="1" dirty="0">
-                <a:latin typeface="Angsana New" panose="02020603050405020304" pitchFamily="18" charset="-34"/>
-              </a:rPr>
+              <a:rPr lang="th-TH" b="1" dirty="0"/>
               <a:t>โครงสร้าง</a:t>
             </a:r>
             <a:r>
-              <a:rPr lang="en-US" b="1" dirty="0">
-                <a:latin typeface="Angsana New" panose="02020603050405020304" pitchFamily="18" charset="-34"/>
-              </a:rPr>
+              <a:rPr lang="en-US" b="1" dirty="0"/>
               <a:t> HIS </a:t>
             </a:r>
             <a:r>
-              <a:rPr lang="th-TH" b="1" dirty="0">
-                <a:latin typeface="Angsana New" panose="02020603050405020304" pitchFamily="18" charset="-34"/>
-              </a:rPr>
+              <a:rPr lang="th-TH" b="1" dirty="0"/>
               <a:t>(เดิม)</a:t>
             </a:r>
           </a:p>
@@ -6810,7 +6839,6 @@
                 <a:solidFill>
                   <a:srgbClr val="FF0000"/>
                 </a:solidFill>
-                <a:latin typeface="Angsana New" panose="02020603050405020304" pitchFamily="18" charset="-34"/>
                 <a:cs typeface="Angsana New" panose="02020603050405020304" pitchFamily="18" charset="-34"/>
               </a:rPr>
               <a:t>Bad Performance !!!</a:t>
@@ -6819,7 +6847,6 @@
               <a:solidFill>
                 <a:srgbClr val="FF0000"/>
               </a:solidFill>
-              <a:latin typeface="Angsana New" panose="02020603050405020304" pitchFamily="18" charset="-34"/>
               <a:cs typeface="Angsana New" panose="02020603050405020304" pitchFamily="18" charset="-34"/>
             </a:endParaRPr>
           </a:p>
@@ -6832,7 +6859,6 @@
                 <a:solidFill>
                   <a:srgbClr val="FF0000"/>
                 </a:solidFill>
-                <a:latin typeface="Angsana New" panose="02020603050405020304" pitchFamily="18" charset="-34"/>
                 <a:cs typeface="Angsana New" panose="02020603050405020304" pitchFamily="18" charset="-34"/>
               </a:rPr>
               <a:t>Bad Developer Experience </a:t>
@@ -6842,7 +6868,6 @@
                 <a:solidFill>
                   <a:srgbClr val="FF0000"/>
                 </a:solidFill>
-                <a:latin typeface="Angsana New" panose="02020603050405020304" pitchFamily="18" charset="-34"/>
                 <a:cs typeface="Angsana New" panose="02020603050405020304" pitchFamily="18" charset="-34"/>
               </a:rPr>
               <a:t>(</a:t>
@@ -6852,7 +6877,6 @@
                 <a:solidFill>
                   <a:srgbClr val="FF0000"/>
                 </a:solidFill>
-                <a:latin typeface="Angsana New" panose="02020603050405020304" pitchFamily="18" charset="-34"/>
                 <a:cs typeface="Angsana New" panose="02020603050405020304" pitchFamily="18" charset="-34"/>
               </a:rPr>
               <a:t>DX</a:t>
@@ -6862,7 +6886,6 @@
                 <a:solidFill>
                   <a:srgbClr val="FF0000"/>
                 </a:solidFill>
-                <a:latin typeface="Angsana New" panose="02020603050405020304" pitchFamily="18" charset="-34"/>
                 <a:cs typeface="Angsana New" panose="02020603050405020304" pitchFamily="18" charset="-34"/>
               </a:rPr>
               <a:t>) </a:t>
@@ -6872,7 +6895,6 @@
                 <a:solidFill>
                   <a:srgbClr val="FF0000"/>
                 </a:solidFill>
-                <a:latin typeface="Angsana New" panose="02020603050405020304" pitchFamily="18" charset="-34"/>
                 <a:cs typeface="Angsana New" panose="02020603050405020304" pitchFamily="18" charset="-34"/>
               </a:rPr>
               <a:t>!!!</a:t>
@@ -6881,7 +6903,6 @@
               <a:solidFill>
                 <a:srgbClr val="FF0000"/>
               </a:solidFill>
-              <a:latin typeface="Angsana New" panose="02020603050405020304" pitchFamily="18" charset="-34"/>
               <a:cs typeface="Angsana New" panose="02020603050405020304" pitchFamily="18" charset="-34"/>
             </a:endParaRPr>
           </a:p>
@@ -6894,7 +6915,6 @@
                 <a:solidFill>
                   <a:srgbClr val="FF0000"/>
                 </a:solidFill>
-                <a:latin typeface="Angsana New" panose="02020603050405020304" pitchFamily="18" charset="-34"/>
                 <a:cs typeface="Angsana New" panose="02020603050405020304" pitchFamily="18" charset="-34"/>
               </a:rPr>
               <a:t>Build </a:t>
@@ -6904,7 +6924,6 @@
                 <a:solidFill>
                   <a:srgbClr val="FF0000"/>
                 </a:solidFill>
-                <a:latin typeface="Angsana New" panose="02020603050405020304" pitchFamily="18" charset="-34"/>
                 <a:cs typeface="Angsana New" panose="02020603050405020304" pitchFamily="18" charset="-34"/>
               </a:rPr>
               <a:t>นานสุดๆ</a:t>
@@ -6914,7 +6933,6 @@
                 <a:solidFill>
                   <a:srgbClr val="FF0000"/>
                 </a:solidFill>
-                <a:latin typeface="Angsana New" panose="02020603050405020304" pitchFamily="18" charset="-34"/>
                 <a:cs typeface="Angsana New" panose="02020603050405020304" pitchFamily="18" charset="-34"/>
               </a:rPr>
               <a:t>!!!</a:t>
@@ -6923,7 +6941,6 @@
               <a:solidFill>
                 <a:srgbClr val="FF0000"/>
               </a:solidFill>
-              <a:latin typeface="Angsana New" panose="02020603050405020304" pitchFamily="18" charset="-34"/>
               <a:cs typeface="Angsana New" panose="02020603050405020304" pitchFamily="18" charset="-34"/>
             </a:endParaRPr>
           </a:p>
@@ -6936,7 +6953,6 @@
                 <a:solidFill>
                   <a:srgbClr val="FF0000"/>
                 </a:solidFill>
-                <a:latin typeface="Angsana New" panose="02020603050405020304" pitchFamily="18" charset="-34"/>
                 <a:cs typeface="Angsana New" panose="02020603050405020304" pitchFamily="18" charset="-34"/>
               </a:rPr>
               <a:t>Bug </a:t>
@@ -6946,7 +6962,6 @@
                 <a:solidFill>
                   <a:srgbClr val="FF0000"/>
                 </a:solidFill>
-                <a:latin typeface="Angsana New" panose="02020603050405020304" pitchFamily="18" charset="-34"/>
                 <a:cs typeface="Angsana New" panose="02020603050405020304" pitchFamily="18" charset="-34"/>
               </a:rPr>
               <a:t>เยอะมากกกก </a:t>
@@ -6956,7 +6971,6 @@
                 <a:solidFill>
                   <a:srgbClr val="FF0000"/>
                 </a:solidFill>
-                <a:latin typeface="Angsana New" panose="02020603050405020304" pitchFamily="18" charset="-34"/>
                 <a:cs typeface="Angsana New" panose="02020603050405020304" pitchFamily="18" charset="-34"/>
               </a:rPr>
               <a:t>!!!</a:t>
@@ -6965,7 +6979,6 @@
               <a:solidFill>
                 <a:srgbClr val="FF0000"/>
               </a:solidFill>
-              <a:latin typeface="Angsana New" panose="02020603050405020304" pitchFamily="18" charset="-34"/>
               <a:cs typeface="Angsana New" panose="02020603050405020304" pitchFamily="18" charset="-34"/>
             </a:endParaRPr>
           </a:p>
@@ -6978,7 +6991,6 @@
               <a:solidFill>
                 <a:srgbClr val="FF0000"/>
               </a:solidFill>
-              <a:latin typeface="Angsana New" panose="02020603050405020304" pitchFamily="18" charset="-34"/>
               <a:cs typeface="Angsana New" panose="02020603050405020304" pitchFamily="18" charset="-34"/>
             </a:endParaRPr>
           </a:p>
@@ -7106,9 +7118,7 @@
           <a:p>
             <a:pPr algn="ctr"/>
             <a:r>
-              <a:rPr lang="en-US" b="1" dirty="0">
-                <a:latin typeface="Angsana New" panose="02020603050405020304" pitchFamily="18" charset="-34"/>
-              </a:rPr>
+              <a:rPr lang="en-US" b="1" dirty="0"/>
               <a:t>Stack</a:t>
             </a:r>
           </a:p>
@@ -7224,7 +7234,9 @@
           <a:lstStyle/>
           <a:p>
             <a:pPr algn="ctr"/>
-            <a:endParaRPr lang="en-US"/>
+            <a:endParaRPr lang="en-US" dirty="0">
+              <a:latin typeface="Angsana New" panose="02020603050405020304" pitchFamily="18" charset="-34"/>
+            </a:endParaRPr>
           </a:p>
         </p:txBody>
       </p:sp>
@@ -7276,7 +7288,9 @@
           <a:lstStyle/>
           <a:p>
             <a:pPr algn="ctr"/>
-            <a:endParaRPr lang="en-US"/>
+            <a:endParaRPr lang="en-US" dirty="0">
+              <a:latin typeface="Angsana New" panose="02020603050405020304" pitchFamily="18" charset="-34"/>
+            </a:endParaRPr>
           </a:p>
         </p:txBody>
       </p:sp>
@@ -7390,7 +7404,9 @@
           <a:lstStyle/>
           <a:p>
             <a:pPr algn="ctr"/>
-            <a:endParaRPr lang="en-US"/>
+            <a:endParaRPr lang="en-US" dirty="0">
+              <a:latin typeface="Angsana New" panose="02020603050405020304" pitchFamily="18" charset="-34"/>
+            </a:endParaRPr>
           </a:p>
         </p:txBody>
       </p:sp>
@@ -7504,7 +7520,9 @@
           <a:lstStyle/>
           <a:p>
             <a:pPr algn="ctr"/>
-            <a:endParaRPr lang="en-US"/>
+            <a:endParaRPr lang="en-US" dirty="0">
+              <a:latin typeface="Angsana New" panose="02020603050405020304" pitchFamily="18" charset="-34"/>
+            </a:endParaRPr>
           </a:p>
         </p:txBody>
       </p:sp>
@@ -7556,7 +7574,9 @@
           <a:lstStyle/>
           <a:p>
             <a:pPr algn="ctr"/>
-            <a:endParaRPr lang="en-US"/>
+            <a:endParaRPr lang="en-US" dirty="0">
+              <a:latin typeface="Angsana New" panose="02020603050405020304" pitchFamily="18" charset="-34"/>
+            </a:endParaRPr>
           </a:p>
         </p:txBody>
       </p:sp>
@@ -7670,7 +7690,9 @@
           <a:lstStyle/>
           <a:p>
             <a:pPr algn="ctr"/>
-            <a:endParaRPr lang="en-US"/>
+            <a:endParaRPr lang="en-US" dirty="0">
+              <a:latin typeface="Angsana New" panose="02020603050405020304" pitchFamily="18" charset="-34"/>
+            </a:endParaRPr>
           </a:p>
         </p:txBody>
       </p:sp>
@@ -7722,7 +7744,9 @@
           <a:lstStyle/>
           <a:p>
             <a:pPr algn="ctr"/>
-            <a:endParaRPr lang="en-US"/>
+            <a:endParaRPr lang="en-US" dirty="0">
+              <a:latin typeface="Angsana New" panose="02020603050405020304" pitchFamily="18" charset="-34"/>
+            </a:endParaRPr>
           </a:p>
         </p:txBody>
       </p:sp>
@@ -7836,7 +7860,9 @@
           <a:lstStyle/>
           <a:p>
             <a:pPr algn="ctr"/>
-            <a:endParaRPr lang="en-US"/>
+            <a:endParaRPr lang="en-US" dirty="0">
+              <a:latin typeface="Angsana New" panose="02020603050405020304" pitchFamily="18" charset="-34"/>
+            </a:endParaRPr>
           </a:p>
         </p:txBody>
       </p:sp>
@@ -7888,7 +7914,9 @@
           <a:lstStyle/>
           <a:p>
             <a:pPr algn="ctr"/>
-            <a:endParaRPr lang="en-US"/>
+            <a:endParaRPr lang="en-US" dirty="0">
+              <a:latin typeface="Angsana New" panose="02020603050405020304" pitchFamily="18" charset="-34"/>
+            </a:endParaRPr>
           </a:p>
         </p:txBody>
       </p:sp>
@@ -8002,7 +8030,9 @@
           <a:lstStyle/>
           <a:p>
             <a:pPr algn="ctr"/>
-            <a:endParaRPr lang="en-US"/>
+            <a:endParaRPr lang="en-US" dirty="0">
+              <a:latin typeface="Angsana New" panose="02020603050405020304" pitchFamily="18" charset="-34"/>
+            </a:endParaRPr>
           </a:p>
         </p:txBody>
       </p:sp>
@@ -8054,7 +8084,9 @@
           <a:lstStyle/>
           <a:p>
             <a:pPr algn="ctr"/>
-            <a:endParaRPr lang="en-US"/>
+            <a:endParaRPr lang="en-US" dirty="0">
+              <a:latin typeface="Angsana New" panose="02020603050405020304" pitchFamily="18" charset="-34"/>
+            </a:endParaRPr>
           </a:p>
         </p:txBody>
       </p:sp>
@@ -8168,7 +8200,9 @@
           <a:lstStyle/>
           <a:p>
             <a:pPr algn="ctr"/>
-            <a:endParaRPr lang="en-US"/>
+            <a:endParaRPr lang="en-US" dirty="0">
+              <a:latin typeface="Angsana New" panose="02020603050405020304" pitchFamily="18" charset="-34"/>
+            </a:endParaRPr>
           </a:p>
         </p:txBody>
       </p:sp>
@@ -8220,7 +8254,9 @@
           <a:lstStyle/>
           <a:p>
             <a:pPr algn="ctr"/>
-            <a:endParaRPr lang="en-US"/>
+            <a:endParaRPr lang="en-US" dirty="0">
+              <a:latin typeface="Angsana New" panose="02020603050405020304" pitchFamily="18" charset="-34"/>
+            </a:endParaRPr>
           </a:p>
         </p:txBody>
       </p:sp>
@@ -8334,7 +8370,9 @@
           <a:lstStyle/>
           <a:p>
             <a:pPr algn="ctr"/>
-            <a:endParaRPr lang="en-US"/>
+            <a:endParaRPr lang="en-US" dirty="0">
+              <a:latin typeface="Angsana New" panose="02020603050405020304" pitchFamily="18" charset="-34"/>
+            </a:endParaRPr>
           </a:p>
         </p:txBody>
       </p:sp>
@@ -8448,7 +8486,9 @@
           <a:lstStyle/>
           <a:p>
             <a:pPr algn="ctr"/>
-            <a:endParaRPr lang="en-US"/>
+            <a:endParaRPr lang="en-US" dirty="0">
+              <a:latin typeface="Angsana New" panose="02020603050405020304" pitchFamily="18" charset="-34"/>
+            </a:endParaRPr>
           </a:p>
         </p:txBody>
       </p:sp>
@@ -8562,7 +8602,9 @@
           <a:lstStyle/>
           <a:p>
             <a:pPr algn="ctr"/>
-            <a:endParaRPr lang="en-US"/>
+            <a:endParaRPr lang="en-US" dirty="0">
+              <a:latin typeface="Angsana New" panose="02020603050405020304" pitchFamily="18" charset="-34"/>
+            </a:endParaRPr>
           </a:p>
         </p:txBody>
       </p:sp>
@@ -8598,10 +8640,10 @@
       </p:grpSpPr>
       <p:pic>
         <p:nvPicPr>
-          <p:cNvPr id="7" name="Content Placeholder 6">
-            <a:extLst>
-              <a:ext uri="{FF2B5EF4-FFF2-40B4-BE49-F238E27FC236}">
-                <a16:creationId xmlns:a16="http://schemas.microsoft.com/office/drawing/2014/main" id="{2E7406A4-F9D0-42DD-BC82-21BADAF924DB}"/>
+          <p:cNvPr id="4" name="Content Placeholder 3">
+            <a:extLst>
+              <a:ext uri="{FF2B5EF4-FFF2-40B4-BE49-F238E27FC236}">
+                <a16:creationId xmlns:a16="http://schemas.microsoft.com/office/drawing/2014/main" id="{8EC4A49E-5270-477E-A51B-466AB2BCD533}"/>
               </a:ext>
             </a:extLst>
           </p:cNvPr>
@@ -8621,7 +8663,7 @@
         <p:spPr>
           <a:xfrm>
             <a:off x="0" y="0"/>
-            <a:ext cx="12203299" cy="6858000"/>
+            <a:ext cx="12192000" cy="6851650"/>
           </a:xfrm>
           <a:prstGeom prst="rect">
             <a:avLst/>
@@ -8738,7 +8780,9 @@
           <a:lstStyle/>
           <a:p>
             <a:pPr algn="ctr"/>
-            <a:endParaRPr lang="en-US"/>
+            <a:endParaRPr lang="en-US" dirty="0">
+              <a:latin typeface="Angsana New" panose="02020603050405020304" pitchFamily="18" charset="-34"/>
+            </a:endParaRPr>
           </a:p>
         </p:txBody>
       </p:sp>
@@ -8802,22 +8846,17 @@
           <a:p>
             <a:pPr algn="ctr"/>
             <a:r>
-              <a:rPr lang="th-TH" b="1" dirty="0">
-                <a:latin typeface="Angsana New" panose="02020603050405020304" pitchFamily="18" charset="-34"/>
-              </a:rPr>
+              <a:rPr lang="th-TH" b="1" dirty="0"/>
               <a:t>รวม งานที่ 1 กับงานที่ 2 </a:t>
             </a:r>
             <a:br>
-              <a:rPr lang="en-US" b="1" dirty="0">
-                <a:latin typeface="Angsana New" panose="02020603050405020304" pitchFamily="18" charset="-34"/>
-              </a:rPr>
+              <a:rPr lang="en-US" b="1" dirty="0"/>
             </a:br>
             <a:r>
               <a:rPr lang="th-TH" b="1" dirty="0">
                 <a:solidFill>
                   <a:srgbClr val="FF0000"/>
                 </a:solidFill>
-                <a:latin typeface="Angsana New" panose="02020603050405020304" pitchFamily="18" charset="-34"/>
               </a:rPr>
               <a:t>เข้าด้วยกัน </a:t>
             </a:r>
@@ -8826,7 +8865,6 @@
                 <a:solidFill>
                   <a:srgbClr val="FF0000"/>
                 </a:solidFill>
-                <a:latin typeface="Angsana New" panose="02020603050405020304" pitchFamily="18" charset="-34"/>
               </a:rPr>
               <a:t>!!!</a:t>
             </a:r>
@@ -8943,7 +8981,9 @@
           <a:lstStyle/>
           <a:p>
             <a:pPr algn="ctr"/>
-            <a:endParaRPr lang="en-US"/>
+            <a:endParaRPr lang="en-US" dirty="0">
+              <a:latin typeface="Angsana New" panose="02020603050405020304" pitchFamily="18" charset="-34"/>
+            </a:endParaRPr>
           </a:p>
         </p:txBody>
       </p:sp>
@@ -9069,14 +9109,10 @@
           <a:p>
             <a:pPr algn="ctr"/>
             <a:r>
-              <a:rPr lang="th-TH" b="1" dirty="0">
-                <a:latin typeface="Angsana New" panose="02020603050405020304" pitchFamily="18" charset="-34"/>
-              </a:rPr>
+              <a:rPr lang="th-TH" b="1" dirty="0"/>
               <a:t>จบ</a:t>
             </a:r>
-            <a:endParaRPr lang="en-US" b="1" dirty="0">
-              <a:latin typeface="Angsana New" panose="02020603050405020304" pitchFamily="18" charset="-34"/>
-            </a:endParaRPr>
+            <a:endParaRPr lang="en-US" b="1" dirty="0"/>
           </a:p>
         </p:txBody>
       </p:sp>
@@ -9090,6 +9126,18 @@
   <p:clrMapOvr>
     <a:masterClrMapping/>
   </p:clrMapOvr>
+  <mc:AlternateContent xmlns:mc="http://schemas.openxmlformats.org/markup-compatibility/2006">
+    <mc:Choice xmlns:p15="http://schemas.microsoft.com/office/powerpoint/2012/main" Requires="p15">
+      <p:transition xmlns:p14="http://schemas.microsoft.com/office/powerpoint/2010/main" spd="slow" p14:dur="2000">
+        <p15:prstTrans prst="fallOver"/>
+      </p:transition>
+    </mc:Choice>
+    <mc:Fallback>
+      <p:transition spd="slow">
+        <p:fade/>
+      </p:transition>
+    </mc:Fallback>
+  </mc:AlternateContent>
 </p:sld>
 </file>
 
@@ -9326,15 +9374,11 @@
           <a:p>
             <a:pPr algn="ctr"/>
             <a:r>
-              <a:rPr lang="th-TH" b="1" dirty="0">
-                <a:latin typeface="Angsana New" panose="02020603050405020304" pitchFamily="18" charset="-34"/>
-              </a:rPr>
+              <a:rPr lang="th-TH" b="1" dirty="0"/>
               <a:t>ตัวอย่าง งานที่ </a:t>
             </a:r>
             <a:r>
-              <a:rPr lang="en-US" b="1" dirty="0">
-                <a:latin typeface="Angsana New" panose="02020603050405020304" pitchFamily="18" charset="-34"/>
-              </a:rPr>
+              <a:rPr lang="en-US" b="1" dirty="0"/>
               <a:t>1</a:t>
             </a:r>
           </a:p>
